--- a/docs/songs/your name.pptx
+++ b/docs/songs/your name.pptx
@@ -309,7 +309,7 @@
             <a:fld id="{26EA1CF3-4A15-4CBF-9A5A-6A56C368BE71}" type="datetimeFigureOut">
               <a:rPr lang="en-GB" smtClean="0"/>
               <a:pPr/>
-              <a:t>03/10/2022</a:t>
+              <a:t>03/11/2025</a:t>
             </a:fld>
             <a:endParaRPr lang="en-GB"/>
           </a:p>
@@ -476,7 +476,7 @@
             <a:fld id="{26EA1CF3-4A15-4CBF-9A5A-6A56C368BE71}" type="datetimeFigureOut">
               <a:rPr lang="en-GB" smtClean="0"/>
               <a:pPr/>
-              <a:t>03/10/2022</a:t>
+              <a:t>03/11/2025</a:t>
             </a:fld>
             <a:endParaRPr lang="en-GB"/>
           </a:p>
@@ -653,7 +653,7 @@
             <a:fld id="{26EA1CF3-4A15-4CBF-9A5A-6A56C368BE71}" type="datetimeFigureOut">
               <a:rPr lang="en-GB" smtClean="0"/>
               <a:pPr/>
-              <a:t>03/10/2022</a:t>
+              <a:t>03/11/2025</a:t>
             </a:fld>
             <a:endParaRPr lang="en-GB"/>
           </a:p>
@@ -820,7 +820,7 @@
             <a:fld id="{26EA1CF3-4A15-4CBF-9A5A-6A56C368BE71}" type="datetimeFigureOut">
               <a:rPr lang="en-GB" smtClean="0"/>
               <a:pPr/>
-              <a:t>03/10/2022</a:t>
+              <a:t>03/11/2025</a:t>
             </a:fld>
             <a:endParaRPr lang="en-GB"/>
           </a:p>
@@ -1063,7 +1063,7 @@
             <a:fld id="{26EA1CF3-4A15-4CBF-9A5A-6A56C368BE71}" type="datetimeFigureOut">
               <a:rPr lang="en-GB" smtClean="0"/>
               <a:pPr/>
-              <a:t>03/10/2022</a:t>
+              <a:t>03/11/2025</a:t>
             </a:fld>
             <a:endParaRPr lang="en-GB"/>
           </a:p>
@@ -1348,7 +1348,7 @@
             <a:fld id="{26EA1CF3-4A15-4CBF-9A5A-6A56C368BE71}" type="datetimeFigureOut">
               <a:rPr lang="en-GB" smtClean="0"/>
               <a:pPr/>
-              <a:t>03/10/2022</a:t>
+              <a:t>03/11/2025</a:t>
             </a:fld>
             <a:endParaRPr lang="en-GB"/>
           </a:p>
@@ -1767,7 +1767,7 @@
             <a:fld id="{26EA1CF3-4A15-4CBF-9A5A-6A56C368BE71}" type="datetimeFigureOut">
               <a:rPr lang="en-GB" smtClean="0"/>
               <a:pPr/>
-              <a:t>03/10/2022</a:t>
+              <a:t>03/11/2025</a:t>
             </a:fld>
             <a:endParaRPr lang="en-GB"/>
           </a:p>
@@ -1882,7 +1882,7 @@
             <a:fld id="{26EA1CF3-4A15-4CBF-9A5A-6A56C368BE71}" type="datetimeFigureOut">
               <a:rPr lang="en-GB" smtClean="0"/>
               <a:pPr/>
-              <a:t>03/10/2022</a:t>
+              <a:t>03/11/2025</a:t>
             </a:fld>
             <a:endParaRPr lang="en-GB"/>
           </a:p>
@@ -1974,7 +1974,7 @@
             <a:fld id="{26EA1CF3-4A15-4CBF-9A5A-6A56C368BE71}" type="datetimeFigureOut">
               <a:rPr lang="en-GB" smtClean="0"/>
               <a:pPr/>
-              <a:t>03/10/2022</a:t>
+              <a:t>03/11/2025</a:t>
             </a:fld>
             <a:endParaRPr lang="en-GB"/>
           </a:p>
@@ -2248,7 +2248,7 @@
             <a:fld id="{26EA1CF3-4A15-4CBF-9A5A-6A56C368BE71}" type="datetimeFigureOut">
               <a:rPr lang="en-GB" smtClean="0"/>
               <a:pPr/>
-              <a:t>03/10/2022</a:t>
+              <a:t>03/11/2025</a:t>
             </a:fld>
             <a:endParaRPr lang="en-GB"/>
           </a:p>
@@ -2498,7 +2498,7 @@
             <a:fld id="{26EA1CF3-4A15-4CBF-9A5A-6A56C368BE71}" type="datetimeFigureOut">
               <a:rPr lang="en-GB" smtClean="0"/>
               <a:pPr/>
-              <a:t>03/10/2022</a:t>
+              <a:t>03/11/2025</a:t>
             </a:fld>
             <a:endParaRPr lang="en-GB"/>
           </a:p>
@@ -2711,7 +2711,7 @@
             <a:fld id="{26EA1CF3-4A15-4CBF-9A5A-6A56C368BE71}" type="datetimeFigureOut">
               <a:rPr lang="en-GB" smtClean="0"/>
               <a:pPr/>
-              <a:t>03/10/2022</a:t>
+              <a:t>03/11/2025</a:t>
             </a:fld>
             <a:endParaRPr lang="en-GB"/>
           </a:p>
@@ -3299,7 +3299,7 @@
         </p:nvSpPr>
         <p:spPr>
           <a:xfrm>
-            <a:off x="323528" y="188640"/>
+            <a:off x="323528" y="764704"/>
             <a:ext cx="8640960" cy="6480720"/>
           </a:xfrm>
         </p:spPr>
@@ -3310,7 +3310,7 @@
           <a:lstStyle/>
           <a:p>
             <a:r>
-              <a:rPr lang="en-GB" sz="4400" dirty="0">
+              <a:rPr lang="en-GB" sz="3600" dirty="0">
                 <a:solidFill>
                   <a:schemeClr val="bg1"/>
                 </a:solidFill>
@@ -3320,7 +3320,7 @@
           </a:p>
           <a:p>
             <a:r>
-              <a:rPr lang="en-GB" sz="4400" dirty="0">
+              <a:rPr lang="en-GB" sz="3600" dirty="0">
                 <a:solidFill>
                   <a:schemeClr val="bg1"/>
                 </a:solidFill>
@@ -3330,7 +3330,7 @@
           </a:p>
           <a:p>
             <a:r>
-              <a:rPr lang="en-GB" sz="4400" dirty="0">
+              <a:rPr lang="en-GB" sz="3600" dirty="0">
                 <a:solidFill>
                   <a:schemeClr val="bg1"/>
                 </a:solidFill>
@@ -3340,7 +3340,7 @@
           </a:p>
           <a:p>
             <a:r>
-              <a:rPr lang="en-GB" sz="4400" dirty="0">
+              <a:rPr lang="en-GB" sz="3600" dirty="0">
                 <a:solidFill>
                   <a:schemeClr val="bg1"/>
                 </a:solidFill>
@@ -3425,7 +3425,7 @@
         </p:nvSpPr>
         <p:spPr>
           <a:xfrm>
-            <a:off x="323528" y="188640"/>
+            <a:off x="251520" y="764704"/>
             <a:ext cx="8640960" cy="6480720"/>
           </a:xfrm>
         </p:spPr>
@@ -3436,7 +3436,7 @@
           <a:lstStyle/>
           <a:p>
             <a:r>
-              <a:rPr lang="en-GB" sz="4400" dirty="0">
+              <a:rPr lang="en-GB" sz="3600" dirty="0">
                 <a:solidFill>
                   <a:schemeClr val="bg1"/>
                 </a:solidFill>
@@ -3446,7 +3446,7 @@
           </a:p>
           <a:p>
             <a:r>
-              <a:rPr lang="en-GB" sz="4400" dirty="0">
+              <a:rPr lang="en-GB" sz="3600" dirty="0">
                 <a:solidFill>
                   <a:schemeClr val="bg1"/>
                 </a:solidFill>
@@ -3456,7 +3456,7 @@
           </a:p>
           <a:p>
             <a:r>
-              <a:rPr lang="en-GB" sz="4400" dirty="0">
+              <a:rPr lang="en-GB" sz="3600" dirty="0">
                 <a:solidFill>
                   <a:schemeClr val="bg1"/>
                 </a:solidFill>
@@ -3466,7 +3466,7 @@
           </a:p>
           <a:p>
             <a:r>
-              <a:rPr lang="en-GB" sz="4400" dirty="0" err="1">
+              <a:rPr lang="en-GB" sz="3600" dirty="0" err="1">
                 <a:solidFill>
                   <a:schemeClr val="bg1"/>
                 </a:solidFill>
@@ -3474,7 +3474,7 @@
               <a:t>'Cause</a:t>
             </a:r>
             <a:r>
-              <a:rPr lang="en-GB" sz="4400" dirty="0">
+              <a:rPr lang="en-GB" sz="3600" dirty="0">
                 <a:solidFill>
                   <a:schemeClr val="bg1"/>
                 </a:solidFill>
@@ -3484,7 +3484,7 @@
           </a:p>
           <a:p>
             <a:r>
-              <a:rPr lang="en-GB" sz="4400" dirty="0">
+              <a:rPr lang="en-GB" sz="3600" dirty="0">
                 <a:solidFill>
                   <a:schemeClr val="bg1"/>
                 </a:solidFill>
@@ -3569,7 +3569,7 @@
         </p:nvSpPr>
         <p:spPr>
           <a:xfrm>
-            <a:off x="323528" y="188640"/>
+            <a:off x="220359" y="764704"/>
             <a:ext cx="8640960" cy="6480720"/>
           </a:xfrm>
         </p:spPr>
@@ -3580,7 +3580,7 @@
           <a:lstStyle/>
           <a:p>
             <a:r>
-              <a:rPr lang="en-GB" sz="4800" dirty="0">
+              <a:rPr lang="en-GB" sz="3600" dirty="0">
                 <a:solidFill>
                   <a:schemeClr val="bg1"/>
                 </a:solidFill>
@@ -3590,7 +3590,7 @@
           </a:p>
           <a:p>
             <a:r>
-              <a:rPr lang="en-GB" sz="4800" dirty="0">
+              <a:rPr lang="en-GB" sz="3600" dirty="0">
                 <a:solidFill>
                   <a:schemeClr val="bg1"/>
                 </a:solidFill>
@@ -3600,7 +3600,7 @@
           </a:p>
           <a:p>
             <a:r>
-              <a:rPr lang="en-GB" sz="4800" dirty="0">
+              <a:rPr lang="en-GB" sz="3600" dirty="0">
                 <a:solidFill>
                   <a:schemeClr val="bg1"/>
                 </a:solidFill>
@@ -3610,7 +3610,7 @@
           </a:p>
           <a:p>
             <a:r>
-              <a:rPr lang="en-GB" sz="4800" dirty="0">
+              <a:rPr lang="en-GB" sz="3600" dirty="0">
                 <a:solidFill>
                   <a:schemeClr val="bg1"/>
                 </a:solidFill>
@@ -3695,7 +3695,7 @@
         </p:nvSpPr>
         <p:spPr>
           <a:xfrm>
-            <a:off x="323528" y="188640"/>
+            <a:off x="251520" y="836712"/>
             <a:ext cx="8640960" cy="6480720"/>
           </a:xfrm>
         </p:spPr>
@@ -3706,7 +3706,7 @@
           <a:lstStyle/>
           <a:p>
             <a:r>
-              <a:rPr lang="en-GB" sz="4400" dirty="0">
+              <a:rPr lang="en-GB" sz="3600" dirty="0">
                 <a:solidFill>
                   <a:schemeClr val="bg1"/>
                 </a:solidFill>
@@ -3716,7 +3716,7 @@
           </a:p>
           <a:p>
             <a:r>
-              <a:rPr lang="en-GB" sz="4400" dirty="0">
+              <a:rPr lang="en-GB" sz="3600" dirty="0">
                 <a:solidFill>
                   <a:schemeClr val="bg1"/>
                 </a:solidFill>
@@ -3726,7 +3726,7 @@
           </a:p>
           <a:p>
             <a:r>
-              <a:rPr lang="en-GB" sz="4400" dirty="0">
+              <a:rPr lang="en-GB" sz="3600" dirty="0">
                 <a:solidFill>
                   <a:schemeClr val="bg1"/>
                 </a:solidFill>
@@ -3736,7 +3736,7 @@
           </a:p>
           <a:p>
             <a:r>
-              <a:rPr lang="en-GB" sz="4400" dirty="0" err="1">
+              <a:rPr lang="en-GB" sz="3600" dirty="0" err="1">
                 <a:solidFill>
                   <a:schemeClr val="bg1"/>
                 </a:solidFill>
@@ -3744,7 +3744,7 @@
               <a:t>'Cause</a:t>
             </a:r>
             <a:r>
-              <a:rPr lang="en-GB" sz="4400" dirty="0">
+              <a:rPr lang="en-GB" sz="3600" dirty="0">
                 <a:solidFill>
                   <a:schemeClr val="bg1"/>
                 </a:solidFill>
@@ -3754,7 +3754,7 @@
           </a:p>
           <a:p>
             <a:r>
-              <a:rPr lang="en-GB" sz="4400" dirty="0">
+              <a:rPr lang="en-GB" sz="3600" dirty="0">
                 <a:solidFill>
                   <a:schemeClr val="bg1"/>
                 </a:solidFill>
